--- a/第二組 0551302包朔初 0551301鄭鑫.pptx
+++ b/第二組 0551302包朔初 0551301鄭鑫.pptx
@@ -5,7 +5,7 @@
     <p:sldMasterId id="2147493564" r:id="rId4"/>
   </p:sldMasterIdLst>
   <p:notesMasterIdLst>
-    <p:notesMasterId r:id="rId14"/>
+    <p:notesMasterId r:id="rId15"/>
   </p:notesMasterIdLst>
   <p:sldIdLst>
     <p:sldId id="256" r:id="rId5"/>
@@ -13,10 +13,11 @@
     <p:sldId id="263" r:id="rId7"/>
     <p:sldId id="259" r:id="rId8"/>
     <p:sldId id="260" r:id="rId9"/>
-    <p:sldId id="261" r:id="rId10"/>
-    <p:sldId id="262" r:id="rId11"/>
-    <p:sldId id="264" r:id="rId12"/>
-    <p:sldId id="265" r:id="rId13"/>
+    <p:sldId id="265" r:id="rId10"/>
+    <p:sldId id="266" r:id="rId11"/>
+    <p:sldId id="261" r:id="rId12"/>
+    <p:sldId id="262" r:id="rId13"/>
+    <p:sldId id="264" r:id="rId14"/>
   </p:sldIdLst>
   <p:sldSz cx="9144000" cy="6858000" type="screen4x3"/>
   <p:notesSz cx="6858000" cy="9144000"/>
@@ -216,7 +217,7 @@
           <a:p>
             <a:fld id="{77C96CCE-68B5-9B4D-B8A4-9D885A674F26}" type="datetimeFigureOut">
               <a:rPr lang="en-US" smtClean="0"/>
-              <a:t>5/15/18</a:t>
+              <a:t>6/13/18</a:t>
             </a:fld>
             <a:endParaRPr lang="en-US"/>
           </a:p>
@@ -755,7 +756,7 @@
           <a:p>
             <a:fld id="{8662E17B-74C6-844B-874E-AD2BA74226A5}" type="slidenum">
               <a:rPr lang="en-US" smtClean="0"/>
-              <a:t>6</a:t>
+              <a:t>8</a:t>
             </a:fld>
             <a:endParaRPr lang="en-US"/>
           </a:p>
@@ -945,7 +946,7 @@
           <a:p>
             <a:fld id="{68C2560D-EC28-3B41-86E8-18F1CE0113B4}" type="datetimeFigureOut">
               <a:rPr lang="en-US" smtClean="0"/>
-              <a:t>5/15/18</a:t>
+              <a:t>6/13/18</a:t>
             </a:fld>
             <a:endParaRPr lang="en-US"/>
           </a:p>
@@ -1267,7 +1268,7 @@
           <a:p>
             <a:fld id="{68C2560D-EC28-3B41-86E8-18F1CE0113B4}" type="datetimeFigureOut">
               <a:rPr lang="en-US" smtClean="0"/>
-              <a:t>5/15/18</a:t>
+              <a:t>6/13/18</a:t>
             </a:fld>
             <a:endParaRPr lang="en-US"/>
           </a:p>
@@ -1489,7 +1490,7 @@
           <a:p>
             <a:fld id="{68C2560D-EC28-3B41-86E8-18F1CE0113B4}" type="datetimeFigureOut">
               <a:rPr lang="en-US" smtClean="0"/>
-              <a:t>5/15/18</a:t>
+              <a:t>6/13/18</a:t>
             </a:fld>
             <a:endParaRPr lang="en-US"/>
           </a:p>
@@ -1780,7 +1781,7 @@
           <a:p>
             <a:fld id="{68C2560D-EC28-3B41-86E8-18F1CE0113B4}" type="datetimeFigureOut">
               <a:rPr lang="en-US" smtClean="0"/>
-              <a:t>5/15/18</a:t>
+              <a:t>6/13/18</a:t>
             </a:fld>
             <a:endParaRPr lang="en-US"/>
           </a:p>
@@ -2234,7 +2235,7 @@
           <a:p>
             <a:fld id="{68C2560D-EC28-3B41-86E8-18F1CE0113B4}" type="datetimeFigureOut">
               <a:rPr lang="en-US" smtClean="0"/>
-              <a:t>5/15/18</a:t>
+              <a:t>6/13/18</a:t>
             </a:fld>
             <a:endParaRPr lang="en-US"/>
           </a:p>
@@ -2810,7 +2811,7 @@
           <a:p>
             <a:fld id="{68C2560D-EC28-3B41-86E8-18F1CE0113B4}" type="datetimeFigureOut">
               <a:rPr lang="en-US" smtClean="0"/>
-              <a:t>5/15/18</a:t>
+              <a:t>6/13/18</a:t>
             </a:fld>
             <a:endParaRPr lang="en-US"/>
           </a:p>
@@ -3662,7 +3663,7 @@
           <a:p>
             <a:fld id="{68C2560D-EC28-3B41-86E8-18F1CE0113B4}" type="datetimeFigureOut">
               <a:rPr lang="en-US" smtClean="0"/>
-              <a:t>5/15/18</a:t>
+              <a:t>6/13/18</a:t>
             </a:fld>
             <a:endParaRPr lang="en-US"/>
           </a:p>
@@ -3867,7 +3868,7 @@
           <a:p>
             <a:fld id="{68C2560D-EC28-3B41-86E8-18F1CE0113B4}" type="datetimeFigureOut">
               <a:rPr lang="en-US" smtClean="0"/>
-              <a:t>5/15/18</a:t>
+              <a:t>6/13/18</a:t>
             </a:fld>
             <a:endParaRPr lang="en-US"/>
           </a:p>
@@ -4088,7 +4089,7 @@
           <a:p>
             <a:fld id="{68C2560D-EC28-3B41-86E8-18F1CE0113B4}" type="datetimeFigureOut">
               <a:rPr lang="en-US" smtClean="0"/>
-              <a:t>5/15/18</a:t>
+              <a:t>6/13/18</a:t>
             </a:fld>
             <a:endParaRPr lang="en-US"/>
           </a:p>
@@ -4300,7 +4301,7 @@
           <a:p>
             <a:fld id="{68C2560D-EC28-3B41-86E8-18F1CE0113B4}" type="datetimeFigureOut">
               <a:rPr lang="en-US" smtClean="0"/>
-              <a:t>5/15/18</a:t>
+              <a:t>6/13/18</a:t>
             </a:fld>
             <a:endParaRPr lang="en-US"/>
           </a:p>
@@ -4590,7 +4591,7 @@
           <a:p>
             <a:fld id="{68C2560D-EC28-3B41-86E8-18F1CE0113B4}" type="datetimeFigureOut">
               <a:rPr lang="en-US" smtClean="0"/>
-              <a:t>5/15/18</a:t>
+              <a:t>6/13/18</a:t>
             </a:fld>
             <a:endParaRPr lang="en-US"/>
           </a:p>
@@ -4867,7 +4868,7 @@
           <a:p>
             <a:fld id="{68C2560D-EC28-3B41-86E8-18F1CE0113B4}" type="datetimeFigureOut">
               <a:rPr lang="en-US" smtClean="0"/>
-              <a:t>5/15/18</a:t>
+              <a:t>6/13/18</a:t>
             </a:fld>
             <a:endParaRPr lang="en-US"/>
           </a:p>
@@ -5289,7 +5290,7 @@
           <a:p>
             <a:fld id="{68C2560D-EC28-3B41-86E8-18F1CE0113B4}" type="datetimeFigureOut">
               <a:rPr lang="en-US" smtClean="0"/>
-              <a:t>5/15/18</a:t>
+              <a:t>6/13/18</a:t>
             </a:fld>
             <a:endParaRPr lang="en-US"/>
           </a:p>
@@ -5447,7 +5448,7 @@
           <a:p>
             <a:fld id="{68C2560D-EC28-3B41-86E8-18F1CE0113B4}" type="datetimeFigureOut">
               <a:rPr lang="en-US" smtClean="0"/>
-              <a:t>5/15/18</a:t>
+              <a:t>6/13/18</a:t>
             </a:fld>
             <a:endParaRPr lang="en-US"/>
           </a:p>
@@ -5582,7 +5583,7 @@
           <a:p>
             <a:fld id="{68C2560D-EC28-3B41-86E8-18F1CE0113B4}" type="datetimeFigureOut">
               <a:rPr lang="en-US" smtClean="0"/>
-              <a:t>5/15/18</a:t>
+              <a:t>6/13/18</a:t>
             </a:fld>
             <a:endParaRPr lang="en-US"/>
           </a:p>
@@ -5871,7 +5872,7 @@
           <a:p>
             <a:fld id="{68C2560D-EC28-3B41-86E8-18F1CE0113B4}" type="datetimeFigureOut">
               <a:rPr lang="en-US" smtClean="0"/>
-              <a:t>5/15/18</a:t>
+              <a:t>6/13/18</a:t>
             </a:fld>
             <a:endParaRPr lang="en-US"/>
           </a:p>
@@ -6193,7 +6194,7 @@
           <a:p>
             <a:fld id="{68C2560D-EC28-3B41-86E8-18F1CE0113B4}" type="datetimeFigureOut">
               <a:rPr lang="en-US" smtClean="0"/>
-              <a:t>5/15/18</a:t>
+              <a:t>6/13/18</a:t>
             </a:fld>
             <a:endParaRPr lang="en-US"/>
           </a:p>
@@ -6456,7 +6457,7 @@
           <a:p>
             <a:fld id="{68C2560D-EC28-3B41-86E8-18F1CE0113B4}" type="datetimeFigureOut">
               <a:rPr lang="en-US" smtClean="0"/>
-              <a:t>5/15/18</a:t>
+              <a:t>6/13/18</a:t>
             </a:fld>
             <a:endParaRPr lang="en-US"/>
           </a:p>
@@ -7046,6 +7047,114 @@
 </p:sld>
 </file>
 
+<file path=ppt/slides/slide10.xml><?xml version="1.0" encoding="utf-8"?>
+<p:sld xmlns:a="http://schemas.openxmlformats.org/drawingml/2006/main" xmlns:r="http://schemas.openxmlformats.org/officeDocument/2006/relationships" xmlns:p="http://schemas.openxmlformats.org/presentationml/2006/main">
+  <p:cSld>
+    <p:spTree>
+      <p:nvGrpSpPr>
+        <p:cNvPr id="1" name=""/>
+        <p:cNvGrpSpPr/>
+        <p:nvPr/>
+      </p:nvGrpSpPr>
+      <p:grpSpPr>
+        <a:xfrm>
+          <a:off x="0" y="0"/>
+          <a:ext cx="0" cy="0"/>
+          <a:chOff x="0" y="0"/>
+          <a:chExt cx="0" cy="0"/>
+        </a:xfrm>
+      </p:grpSpPr>
+      <p:sp>
+        <p:nvSpPr>
+          <p:cNvPr id="2" name="标题 1"/>
+          <p:cNvSpPr>
+            <a:spLocks noGrp="1"/>
+          </p:cNvSpPr>
+          <p:nvPr>
+            <p:ph type="title"/>
+          </p:nvPr>
+        </p:nvSpPr>
+        <p:spPr/>
+        <p:txBody>
+          <a:bodyPr/>
+          <a:lstStyle/>
+          <a:p>
+            <a:endParaRPr kumimoji="1" lang="zh-CN" altLang="en-US"/>
+          </a:p>
+        </p:txBody>
+      </p:sp>
+      <p:sp>
+        <p:nvSpPr>
+          <p:cNvPr id="3" name="内容占位符 2"/>
+          <p:cNvSpPr>
+            <a:spLocks noGrp="1"/>
+          </p:cNvSpPr>
+          <p:nvPr>
+            <p:ph sz="quarter" idx="13"/>
+          </p:nvPr>
+        </p:nvSpPr>
+        <p:spPr/>
+        <p:txBody>
+          <a:bodyPr/>
+          <a:lstStyle/>
+          <a:p>
+            <a:endParaRPr kumimoji="1" lang="zh-CN" altLang="en-US"/>
+          </a:p>
+        </p:txBody>
+      </p:sp>
+      <p:pic>
+        <p:nvPicPr>
+          <p:cNvPr id="5" name="图片 4"/>
+          <p:cNvPicPr>
+            <a:picLocks noChangeAspect="1"/>
+          </p:cNvPicPr>
+          <p:nvPr/>
+        </p:nvPicPr>
+        <p:blipFill>
+          <a:blip r:embed="rId2">
+            <a:extLst>
+              <a:ext uri="{28A0092B-C50C-407E-A947-70E740481C1C}">
+                <a14:useLocalDpi xmlns:a14="http://schemas.microsoft.com/office/drawing/2010/main" val="0"/>
+              </a:ext>
+            </a:extLst>
+          </a:blip>
+          <a:stretch>
+            <a:fillRect/>
+          </a:stretch>
+        </p:blipFill>
+        <p:spPr>
+          <a:xfrm>
+            <a:off x="0" y="0"/>
+            <a:ext cx="9144000" cy="6889750"/>
+          </a:xfrm>
+          <a:prstGeom prst="rect">
+            <a:avLst/>
+          </a:prstGeom>
+        </p:spPr>
+      </p:pic>
+    </p:spTree>
+    <p:extLst>
+      <p:ext uri="{BB962C8B-B14F-4D97-AF65-F5344CB8AC3E}">
+        <p14:creationId xmlns:p14="http://schemas.microsoft.com/office/powerpoint/2010/main" val="784506939"/>
+      </p:ext>
+    </p:extLst>
+  </p:cSld>
+  <p:clrMapOvr>
+    <a:masterClrMapping/>
+  </p:clrMapOvr>
+  <p:transition spd="slow">
+    <p:fade/>
+  </p:transition>
+  <p:timing>
+    <p:tnLst>
+      <p:par>
+        <p:cTn id="1" dur="indefinite" restart="never" nodeType="tmRoot"/>
+      </p:par>
+    </p:tnLst>
+  </p:timing>
+</p:sld>
+</file>
+
 <file path=ppt/slides/slide2.xml><?xml version="1.0" encoding="utf-8"?>
 <p:sld xmlns:a="http://schemas.openxmlformats.org/drawingml/2006/main" xmlns:r="http://schemas.openxmlformats.org/officeDocument/2006/relationships" xmlns:p="http://schemas.openxmlformats.org/presentationml/2006/main">
   <p:cSld>
@@ -7186,15 +7295,7 @@
                 <a:ea typeface="FangSong" charset="-122"/>
                 <a:cs typeface="FangSong" charset="-122"/>
               </a:rPr>
-              <a:t>目前</a:t>
-            </a:r>
-            <a:r>
-              <a:rPr lang="zh-TW" altLang="en-US" sz="2000" dirty="0" smtClean="0">
-                <a:latin typeface="FangSong" charset="-122"/>
-                <a:ea typeface="FangSong" charset="-122"/>
-                <a:cs typeface="FangSong" charset="-122"/>
-              </a:rPr>
-              <a:t>台灣</a:t>
+              <a:t>目前台灣</a:t>
             </a:r>
             <a:r>
               <a:rPr lang="zh-TW" altLang="en-US" dirty="0" smtClean="0">
@@ -7226,23 +7327,7 @@
                 <a:ea typeface="FangSong" charset="-122"/>
                 <a:cs typeface="FangSong" charset="-122"/>
               </a:rPr>
-              <a:t>，</a:t>
-            </a:r>
-            <a:r>
-              <a:rPr lang="zh-TW" altLang="en-US" sz="2000" dirty="0" smtClean="0">
-                <a:latin typeface="FangSong" charset="-122"/>
-                <a:ea typeface="FangSong" charset="-122"/>
-                <a:cs typeface="FangSong" charset="-122"/>
-              </a:rPr>
-              <a:t>所以用戶的使用</a:t>
-            </a:r>
-            <a:r>
-              <a:rPr lang="zh-TW" altLang="en-US" sz="2000" dirty="0" smtClean="0">
-                <a:latin typeface="FangSong" charset="-122"/>
-                <a:ea typeface="FangSong" charset="-122"/>
-                <a:cs typeface="FangSong" charset="-122"/>
-              </a:rPr>
-              <a:t>習慣</a:t>
+              <a:t>，所以用戶的使用習慣</a:t>
             </a:r>
             <a:r>
               <a:rPr lang="zh-TW" altLang="en-US" dirty="0" smtClean="0">
@@ -7330,11 +7415,7 @@
           <a:p>
             <a:r>
               <a:rPr lang="en-US" dirty="0" smtClean="0"/>
-              <a:t>Project </a:t>
-            </a:r>
-            <a:r>
-              <a:rPr lang="en-US" dirty="0" smtClean="0"/>
-              <a:t>Goal</a:t>
+              <a:t>Project Goal</a:t>
             </a:r>
             <a:endParaRPr lang="zh-CN" altLang="en-US" dirty="0" smtClean="0"/>
           </a:p>
@@ -7378,11 +7459,6 @@
               </a:rPr>
               <a:t>。</a:t>
             </a:r>
-            <a:endParaRPr lang="zh-CN" altLang="en-US" dirty="0" smtClean="0">
-              <a:latin typeface="仿宋" panose="02010609060101010101" charset="-122"/>
-              <a:ea typeface="仿宋" panose="02010609060101010101" charset="-122"/>
-              <a:cs typeface="仿宋" panose="02010609060101010101" charset="-122"/>
-            </a:endParaRPr>
           </a:p>
           <a:p>
             <a:r>
@@ -7433,23 +7509,7 @@
                 <a:ea typeface="仿宋" panose="02010609060101010101" charset="-122"/>
                 <a:cs typeface="仿宋" panose="02010609060101010101" charset="-122"/>
               </a:rPr>
-              <a:t>個</a:t>
-            </a:r>
-            <a:r>
-              <a:rPr lang="zh-CN" altLang="en-US" dirty="0" smtClean="0">
-                <a:latin typeface="仿宋" panose="02010609060101010101" charset="-122"/>
-                <a:ea typeface="仿宋" panose="02010609060101010101" charset="-122"/>
-                <a:cs typeface="仿宋" panose="02010609060101010101" charset="-122"/>
-              </a:rPr>
-              <a:t>主要的模塊</a:t>
-            </a:r>
-            <a:r>
-              <a:rPr lang="zh-CN" altLang="en-US" dirty="0" smtClean="0">
-                <a:latin typeface="仿宋" panose="02010609060101010101" charset="-122"/>
-                <a:ea typeface="仿宋" panose="02010609060101010101" charset="-122"/>
-                <a:cs typeface="仿宋" panose="02010609060101010101" charset="-122"/>
-              </a:rPr>
-              <a:t>，</a:t>
+              <a:t>個主要的模塊，</a:t>
             </a:r>
             <a:r>
               <a:rPr lang="zh-TW" altLang="en-US" dirty="0" smtClean="0">
@@ -8991,7 +9051,7 @@
       </p:sp>
       <p:pic>
         <p:nvPicPr>
-          <p:cNvPr id="3" name="图片 2"/>
+          <p:cNvPr id="4" name="图片 3"/>
           <p:cNvPicPr>
             <a:picLocks noChangeAspect="1"/>
           </p:cNvPicPr>
@@ -9011,8 +9071,8 @@
         </p:blipFill>
         <p:spPr>
           <a:xfrm>
-            <a:off x="342667" y="2081816"/>
-            <a:ext cx="8458668" cy="3705036"/>
+            <a:off x="1" y="2214695"/>
+            <a:ext cx="9144000" cy="3965608"/>
           </a:xfrm>
           <a:prstGeom prst="rect">
             <a:avLst/>
@@ -9061,7 +9121,7 @@
       </p:grpSpPr>
       <p:sp>
         <p:nvSpPr>
-          <p:cNvPr id="2" name="Title 1"/>
+          <p:cNvPr id="2" name="标题 1"/>
           <p:cNvSpPr>
             <a:spLocks noGrp="1"/>
           </p:cNvSpPr>
@@ -9074,119 +9134,43 @@
           <a:bodyPr/>
           <a:lstStyle/>
           <a:p>
-            <a:r>
-              <a:rPr lang="en-US" dirty="0" smtClean="0"/>
-              <a:t>Resource Required</a:t>
-            </a:r>
-            <a:endParaRPr lang="en-US" dirty="0"/>
-          </a:p>
-        </p:txBody>
-      </p:sp>
-      <p:sp>
-        <p:nvSpPr>
-          <p:cNvPr id="3" name="Content Placeholder 2"/>
-          <p:cNvSpPr>
-            <a:spLocks noGrp="1"/>
-          </p:cNvSpPr>
+            <a:endParaRPr kumimoji="1" lang="zh-CN" altLang="en-US"/>
+          </a:p>
+        </p:txBody>
+      </p:sp>
+      <p:pic>
+        <p:nvPicPr>
+          <p:cNvPr id="4" name="内容占位符 3"/>
+          <p:cNvPicPr>
+            <a:picLocks noGrp="1" noChangeAspect="1"/>
+          </p:cNvPicPr>
           <p:nvPr>
             <p:ph sz="quarter" idx="13"/>
           </p:nvPr>
-        </p:nvSpPr>
-        <p:spPr/>
-        <p:txBody>
-          <a:bodyPr>
-            <a:normAutofit/>
-          </a:bodyPr>
-          <a:lstStyle/>
-          <a:p>
-            <a:endParaRPr lang="en-US" altLang="zh-TW" dirty="0" smtClean="0">
-              <a:latin typeface="FangSong" charset="-122"/>
-              <a:ea typeface="FangSong" charset="-122"/>
-              <a:cs typeface="FangSong" charset="-122"/>
-            </a:endParaRPr>
-          </a:p>
-          <a:p>
-            <a:r>
-              <a:rPr lang="en-US" altLang="zh-TW" dirty="0" smtClean="0">
-                <a:latin typeface="FangSong" charset="-122"/>
-                <a:ea typeface="FangSong" charset="-122"/>
-                <a:cs typeface="FangSong" charset="-122"/>
-              </a:rPr>
-              <a:t>Android</a:t>
-            </a:r>
-            <a:r>
-              <a:rPr lang="zh-TW" altLang="en-US" dirty="0" smtClean="0">
-                <a:latin typeface="FangSong" charset="-122"/>
-                <a:ea typeface="FangSong" charset="-122"/>
-                <a:cs typeface="FangSong" charset="-122"/>
-              </a:rPr>
-              <a:t> </a:t>
-            </a:r>
-            <a:r>
-              <a:rPr lang="en-US" altLang="zh-TW" dirty="0" smtClean="0">
-                <a:latin typeface="FangSong" charset="-122"/>
-                <a:ea typeface="FangSong" charset="-122"/>
-                <a:cs typeface="FangSong" charset="-122"/>
-              </a:rPr>
-              <a:t>Studio</a:t>
-            </a:r>
-          </a:p>
-          <a:p>
-            <a:r>
-              <a:rPr lang="en-US" altLang="zh-TW" dirty="0" err="1" smtClean="0">
-                <a:latin typeface="FangSong" charset="-122"/>
-                <a:ea typeface="FangSong" charset="-122"/>
-                <a:cs typeface="FangSong" charset="-122"/>
-              </a:rPr>
-              <a:t>MySql</a:t>
-            </a:r>
-            <a:r>
-              <a:rPr lang="zh-TW" altLang="en-US" dirty="0" smtClean="0">
-                <a:latin typeface="FangSong" charset="-122"/>
-                <a:ea typeface="FangSong" charset="-122"/>
-                <a:cs typeface="FangSong" charset="-122"/>
-              </a:rPr>
-              <a:t>、</a:t>
-            </a:r>
-            <a:r>
-              <a:rPr lang="en-US" altLang="zh-TW" dirty="0" err="1" smtClean="0">
-                <a:latin typeface="FangSong" charset="-122"/>
-                <a:ea typeface="FangSong" charset="-122"/>
-                <a:cs typeface="FangSong" charset="-122"/>
-              </a:rPr>
-              <a:t>trell</a:t>
-            </a:r>
-            <a:r>
-              <a:rPr lang="zh-TW" altLang="en-US" dirty="0" smtClean="0">
-                <a:latin typeface="FangSong" charset="-122"/>
-                <a:ea typeface="FangSong" charset="-122"/>
-                <a:cs typeface="FangSong" charset="-122"/>
-              </a:rPr>
-              <a:t>、雁陣</a:t>
-            </a:r>
-            <a:endParaRPr lang="en-US" dirty="0"/>
-          </a:p>
-          <a:p>
-            <a:r>
-              <a:rPr lang="en-US" altLang="zh-TW" dirty="0">
-                <a:latin typeface="FangSong" charset="-122"/>
-                <a:ea typeface="FangSong" charset="-122"/>
-                <a:cs typeface="FangSong" charset="-122"/>
-              </a:rPr>
-              <a:t>google</a:t>
-            </a:r>
-            <a:endParaRPr lang="en-US" dirty="0">
-              <a:latin typeface="FangSong" charset="-122"/>
-              <a:ea typeface="FangSong" charset="-122"/>
-              <a:cs typeface="FangSong" charset="-122"/>
-            </a:endParaRPr>
-          </a:p>
-        </p:txBody>
-      </p:sp>
+        </p:nvPicPr>
+        <p:blipFill>
+          <a:blip r:embed="rId2">
+            <a:extLst>
+              <a:ext uri="{28A0092B-C50C-407E-A947-70E740481C1C}">
+                <a14:useLocalDpi xmlns:a14="http://schemas.microsoft.com/office/drawing/2010/main" val="0"/>
+              </a:ext>
+            </a:extLst>
+          </a:blip>
+          <a:stretch>
+            <a:fillRect/>
+          </a:stretch>
+        </p:blipFill>
+        <p:spPr>
+          <a:xfrm>
+            <a:off x="2018212" y="587047"/>
+            <a:ext cx="5682343" cy="6270953"/>
+          </a:xfrm>
+        </p:spPr>
+      </p:pic>
     </p:spTree>
     <p:extLst>
       <p:ext uri="{BB962C8B-B14F-4D97-AF65-F5344CB8AC3E}">
-        <p14:creationId xmlns:p14="http://schemas.microsoft.com/office/powerpoint/2010/main" val="311315968"/>
+        <p14:creationId xmlns:p14="http://schemas.microsoft.com/office/powerpoint/2010/main" val="1011791800"/>
       </p:ext>
     </p:extLst>
   </p:cSld>
@@ -9196,13 +9180,6 @@
   <p:transition spd="slow">
     <p:fade/>
   </p:transition>
-  <p:timing>
-    <p:tnLst>
-      <p:par>
-        <p:cTn id="1" dur="indefinite" restart="never" nodeType="tmRoot"/>
-      </p:par>
-    </p:tnLst>
-  </p:timing>
 </p:sld>
 </file>
 
@@ -9225,7 +9202,7 @@
       </p:grpSpPr>
       <p:sp>
         <p:nvSpPr>
-          <p:cNvPr id="2" name="標題 1"/>
+          <p:cNvPr id="2" name="标题 1"/>
           <p:cNvSpPr>
             <a:spLocks noGrp="1"/>
           </p:cNvSpPr>
@@ -9235,30 +9212,22 @@
         </p:nvSpPr>
         <p:spPr/>
         <p:txBody>
-          <a:bodyPr>
-            <a:normAutofit/>
-          </a:bodyPr>
-          <a:lstStyle/>
-          <a:p>
-            <a:r>
-              <a:rPr lang="en-US" altLang="zh-TW" dirty="0" smtClean="0"/>
-              <a:t>Schedule</a:t>
-            </a:r>
-            <a:r>
-              <a:rPr lang="zh-TW" altLang="en-US" dirty="0" smtClean="0"/>
-              <a:t>  </a:t>
-            </a:r>
-            <a:endParaRPr lang="zh-TW" altLang="en-US" dirty="0"/>
+          <a:bodyPr/>
+          <a:lstStyle/>
+          <a:p>
+            <a:endParaRPr kumimoji="1" lang="zh-CN" altLang="en-US"/>
           </a:p>
         </p:txBody>
       </p:sp>
       <p:pic>
         <p:nvPicPr>
-          <p:cNvPr id="3" name="图片 2"/>
+          <p:cNvPr id="4" name="内容占位符 3"/>
           <p:cNvPicPr>
-            <a:picLocks noChangeAspect="1"/>
+            <a:picLocks noGrp="1" noChangeAspect="1"/>
           </p:cNvPicPr>
-          <p:nvPr/>
+          <p:nvPr>
+            <p:ph sz="quarter" idx="13"/>
+          </p:nvPr>
         </p:nvPicPr>
         <p:blipFill>
           <a:blip r:embed="rId2">
@@ -9274,18 +9243,15 @@
         </p:blipFill>
         <p:spPr>
           <a:xfrm>
-            <a:off x="685332" y="2214695"/>
-            <a:ext cx="7886700" cy="3373227"/>
-          </a:xfrm>
-          <a:prstGeom prst="rect">
-            <a:avLst/>
-          </a:prstGeom>
+            <a:off x="1989180" y="618518"/>
+            <a:ext cx="5733778" cy="6239482"/>
+          </a:xfrm>
         </p:spPr>
       </p:pic>
     </p:spTree>
     <p:extLst>
       <p:ext uri="{BB962C8B-B14F-4D97-AF65-F5344CB8AC3E}">
-        <p14:creationId xmlns:p14="http://schemas.microsoft.com/office/powerpoint/2010/main" val="1924423371"/>
+        <p14:creationId xmlns:p14="http://schemas.microsoft.com/office/powerpoint/2010/main" val="930704015"/>
       </p:ext>
     </p:extLst>
   </p:cSld>
@@ -9295,13 +9261,6 @@
   <p:transition spd="slow">
     <p:fade/>
   </p:transition>
-  <p:timing>
-    <p:tnLst>
-      <p:par>
-        <p:cTn id="1" dur="indefinite" restart="never" nodeType="tmRoot"/>
-      </p:par>
-    </p:tnLst>
-  </p:timing>
 </p:sld>
 </file>
 
@@ -9324,7 +9283,7 @@
       </p:grpSpPr>
       <p:sp>
         <p:nvSpPr>
-          <p:cNvPr id="2" name="标题 1"/>
+          <p:cNvPr id="2" name="Title 1"/>
           <p:cNvSpPr>
             <a:spLocks noGrp="1"/>
           </p:cNvSpPr>
@@ -9337,43 +9296,119 @@
           <a:bodyPr/>
           <a:lstStyle/>
           <a:p>
-            <a:endParaRPr kumimoji="1" lang="zh-CN" altLang="en-US"/>
-          </a:p>
-        </p:txBody>
-      </p:sp>
-      <p:pic>
-        <p:nvPicPr>
-          <p:cNvPr id="4" name="内容占位符 3"/>
-          <p:cNvPicPr>
-            <a:picLocks noGrp="1" noChangeAspect="1"/>
-          </p:cNvPicPr>
+            <a:r>
+              <a:rPr lang="en-US" dirty="0" smtClean="0"/>
+              <a:t>Resource Required</a:t>
+            </a:r>
+            <a:endParaRPr lang="en-US" dirty="0"/>
+          </a:p>
+        </p:txBody>
+      </p:sp>
+      <p:sp>
+        <p:nvSpPr>
+          <p:cNvPr id="3" name="Content Placeholder 2"/>
+          <p:cNvSpPr>
+            <a:spLocks noGrp="1"/>
+          </p:cNvSpPr>
           <p:nvPr>
             <p:ph sz="quarter" idx="13"/>
           </p:nvPr>
-        </p:nvPicPr>
-        <p:blipFill>
-          <a:blip r:embed="rId2">
-            <a:extLst>
-              <a:ext uri="{28A0092B-C50C-407E-A947-70E740481C1C}">
-                <a14:useLocalDpi xmlns:a14="http://schemas.microsoft.com/office/drawing/2010/main" val="0"/>
-              </a:ext>
-            </a:extLst>
-          </a:blip>
-          <a:stretch>
-            <a:fillRect/>
-          </a:stretch>
-        </p:blipFill>
-        <p:spPr>
-          <a:xfrm>
-            <a:off x="375419" y="1799063"/>
-            <a:ext cx="8393163" cy="3654680"/>
-          </a:xfrm>
-        </p:spPr>
-      </p:pic>
+        </p:nvSpPr>
+        <p:spPr/>
+        <p:txBody>
+          <a:bodyPr>
+            <a:normAutofit/>
+          </a:bodyPr>
+          <a:lstStyle/>
+          <a:p>
+            <a:endParaRPr lang="en-US" altLang="zh-TW" dirty="0" smtClean="0">
+              <a:latin typeface="FangSong" charset="-122"/>
+              <a:ea typeface="FangSong" charset="-122"/>
+              <a:cs typeface="FangSong" charset="-122"/>
+            </a:endParaRPr>
+          </a:p>
+          <a:p>
+            <a:r>
+              <a:rPr lang="en-US" altLang="zh-TW" dirty="0" smtClean="0">
+                <a:latin typeface="FangSong" charset="-122"/>
+                <a:ea typeface="FangSong" charset="-122"/>
+                <a:cs typeface="FangSong" charset="-122"/>
+              </a:rPr>
+              <a:t>Android</a:t>
+            </a:r>
+            <a:r>
+              <a:rPr lang="zh-TW" altLang="en-US" dirty="0" smtClean="0">
+                <a:latin typeface="FangSong" charset="-122"/>
+                <a:ea typeface="FangSong" charset="-122"/>
+                <a:cs typeface="FangSong" charset="-122"/>
+              </a:rPr>
+              <a:t> </a:t>
+            </a:r>
+            <a:r>
+              <a:rPr lang="en-US" altLang="zh-TW" dirty="0" smtClean="0">
+                <a:latin typeface="FangSong" charset="-122"/>
+                <a:ea typeface="FangSong" charset="-122"/>
+                <a:cs typeface="FangSong" charset="-122"/>
+              </a:rPr>
+              <a:t>Studio</a:t>
+            </a:r>
+          </a:p>
+          <a:p>
+            <a:r>
+              <a:rPr lang="en-US" altLang="zh-TW" dirty="0" err="1" smtClean="0">
+                <a:latin typeface="FangSong" charset="-122"/>
+                <a:ea typeface="FangSong" charset="-122"/>
+                <a:cs typeface="FangSong" charset="-122"/>
+              </a:rPr>
+              <a:t>MySql</a:t>
+            </a:r>
+            <a:r>
+              <a:rPr lang="zh-TW" altLang="en-US" dirty="0" smtClean="0">
+                <a:latin typeface="FangSong" charset="-122"/>
+                <a:ea typeface="FangSong" charset="-122"/>
+                <a:cs typeface="FangSong" charset="-122"/>
+              </a:rPr>
+              <a:t>、</a:t>
+            </a:r>
+            <a:r>
+              <a:rPr lang="en-US" altLang="zh-TW" dirty="0" err="1" smtClean="0">
+                <a:latin typeface="FangSong" charset="-122"/>
+                <a:ea typeface="FangSong" charset="-122"/>
+                <a:cs typeface="FangSong" charset="-122"/>
+              </a:rPr>
+              <a:t>trell</a:t>
+            </a:r>
+            <a:r>
+              <a:rPr lang="zh-TW" altLang="en-US" dirty="0" smtClean="0">
+                <a:latin typeface="FangSong" charset="-122"/>
+                <a:ea typeface="FangSong" charset="-122"/>
+                <a:cs typeface="FangSong" charset="-122"/>
+              </a:rPr>
+              <a:t>、雁陣</a:t>
+            </a:r>
+            <a:endParaRPr lang="en-US" dirty="0"/>
+          </a:p>
+          <a:p>
+            <a:r>
+              <a:rPr lang="en-US" altLang="zh-TW" dirty="0">
+                <a:latin typeface="FangSong" charset="-122"/>
+                <a:ea typeface="FangSong" charset="-122"/>
+                <a:cs typeface="FangSong" charset="-122"/>
+              </a:rPr>
+              <a:t>google</a:t>
+            </a:r>
+            <a:endParaRPr lang="en-US" dirty="0">
+              <a:latin typeface="FangSong" charset="-122"/>
+              <a:ea typeface="FangSong" charset="-122"/>
+              <a:cs typeface="FangSong" charset="-122"/>
+            </a:endParaRPr>
+          </a:p>
+        </p:txBody>
+      </p:sp>
     </p:spTree>
     <p:extLst>
       <p:ext uri="{BB962C8B-B14F-4D97-AF65-F5344CB8AC3E}">
-        <p14:creationId xmlns:p14="http://schemas.microsoft.com/office/powerpoint/2010/main" val="784506939"/>
+        <p14:creationId xmlns:p14="http://schemas.microsoft.com/office/powerpoint/2010/main" val="311315968"/>
       </p:ext>
     </p:extLst>
   </p:cSld>
@@ -9412,7 +9447,7 @@
       </p:grpSpPr>
       <p:sp>
         <p:nvSpPr>
-          <p:cNvPr id="2" name="标题 1"/>
+          <p:cNvPr id="2" name="標題 1"/>
           <p:cNvSpPr>
             <a:spLocks noGrp="1"/>
           </p:cNvSpPr>
@@ -9422,46 +9457,27 @@
         </p:nvSpPr>
         <p:spPr/>
         <p:txBody>
-          <a:bodyPr/>
-          <a:lstStyle/>
-          <a:p>
-            <a:endParaRPr kumimoji="1" lang="zh-CN" altLang="en-US"/>
-          </a:p>
-        </p:txBody>
-      </p:sp>
-      <p:pic>
-        <p:nvPicPr>
-          <p:cNvPr id="4" name="内容占位符 3"/>
-          <p:cNvPicPr>
-            <a:picLocks noGrp="1" noChangeAspect="1"/>
-          </p:cNvPicPr>
-          <p:nvPr>
-            <p:ph sz="quarter" idx="13"/>
-          </p:nvPr>
-        </p:nvPicPr>
-        <p:blipFill>
-          <a:blip r:embed="rId2">
-            <a:extLst>
-              <a:ext uri="{28A0092B-C50C-407E-A947-70E740481C1C}">
-                <a14:useLocalDpi xmlns:a14="http://schemas.microsoft.com/office/drawing/2010/main" val="0"/>
-              </a:ext>
-            </a:extLst>
-          </a:blip>
-          <a:stretch>
-            <a:fillRect/>
-          </a:stretch>
-        </p:blipFill>
-        <p:spPr>
-          <a:xfrm>
-            <a:off x="206132" y="1750455"/>
-            <a:ext cx="8731737" cy="3801259"/>
-          </a:xfrm>
-        </p:spPr>
-      </p:pic>
+          <a:bodyPr>
+            <a:normAutofit/>
+          </a:bodyPr>
+          <a:lstStyle/>
+          <a:p>
+            <a:r>
+              <a:rPr lang="en-US" altLang="zh-TW" dirty="0" smtClean="0"/>
+              <a:t>Schedule</a:t>
+            </a:r>
+            <a:r>
+              <a:rPr lang="zh-TW" altLang="en-US" dirty="0" smtClean="0"/>
+              <a:t>  </a:t>
+            </a:r>
+            <a:endParaRPr lang="zh-TW" altLang="en-US" dirty="0"/>
+          </a:p>
+        </p:txBody>
+      </p:sp>
     </p:spTree>
     <p:extLst>
       <p:ext uri="{BB962C8B-B14F-4D97-AF65-F5344CB8AC3E}">
-        <p14:creationId xmlns:p14="http://schemas.microsoft.com/office/powerpoint/2010/main" val="1157549182"/>
+        <p14:creationId xmlns:p14="http://schemas.microsoft.com/office/powerpoint/2010/main" val="1924423371"/>
       </p:ext>
     </p:extLst>
   </p:cSld>
